--- a/files/Prueba_Cientifico_Datos_Compliance.pptx
+++ b/files/Prueba_Cientifico_Datos_Compliance.pptx
@@ -2483,7 +2483,33 @@
                 <a:ea typeface="+mn-ea"/>
                 <a:cs typeface="+mn-cs"/>
               </a:rPr>
-              <a:t>Científico de Datos de </a:t>
+              <a:t>Científico de Datos </a:t>
+            </a:r>
+            <a:r>
+              <a:rPr lang="es-ES" sz="2800" b="1" spc="-20" dirty="0">
+                <a:solidFill>
+                  <a:srgbClr val="D50D97"/>
+                </a:solidFill>
+                <a:latin typeface="Segoe UI"/>
+              </a:rPr>
+              <a:t>-</a:t>
+            </a:r>
+            <a:r>
+              <a:rPr lang="es-ES" sz="2800" b="1" i="0" u="none" strike="noStrike" kern="1200" cap="none" spc="-20" normalizeH="0" dirty="0">
+                <a:ln>
+                  <a:noFill/>
+                </a:ln>
+                <a:solidFill>
+                  <a:srgbClr val="D50D97"/>
+                </a:solidFill>
+                <a:effectLst/>
+                <a:uLnTx/>
+                <a:uFillTx/>
+                <a:latin typeface="Segoe UI"/>
+                <a:ea typeface="+mn-ea"/>
+                <a:cs typeface="+mn-cs"/>
+              </a:rPr>
+              <a:t> </a:t>
             </a:r>
             <a:r>
               <a:rPr lang="es-ES" sz="2800" b="1" i="0" u="none" strike="noStrike" kern="1200" cap="none" spc="-20" normalizeH="0" dirty="0" err="1">

--- a/files/Prueba_Cientifico_Datos_Compliance.pptx
+++ b/files/Prueba_Cientifico_Datos_Compliance.pptx
@@ -5,17 +5,18 @@
     <p:sldMasterId id="2147483671" r:id="rId1"/>
   </p:sldMasterIdLst>
   <p:notesMasterIdLst>
-    <p:notesMasterId r:id="rId7"/>
+    <p:notesMasterId r:id="rId8"/>
   </p:notesMasterIdLst>
   <p:handoutMasterIdLst>
-    <p:handoutMasterId r:id="rId8"/>
+    <p:handoutMasterId r:id="rId9"/>
   </p:handoutMasterIdLst>
   <p:sldIdLst>
     <p:sldId id="302" r:id="rId2"/>
     <p:sldId id="303" r:id="rId3"/>
     <p:sldId id="312" r:id="rId4"/>
-    <p:sldId id="313" r:id="rId5"/>
-    <p:sldId id="314" r:id="rId6"/>
+    <p:sldId id="315" r:id="rId5"/>
+    <p:sldId id="313" r:id="rId6"/>
+    <p:sldId id="314" r:id="rId7"/>
   </p:sldIdLst>
   <p:sldSz cx="12192000" cy="6858000"/>
   <p:notesSz cx="9388475" cy="7102475"/>
@@ -689,7 +690,7 @@
             <a:pPr rtl="0"/>
             <a:fld id="{59D80D25-B206-4F2F-A0E5-FE69FB35D407}" type="datetime1">
               <a:rPr lang="es-ES" smtClean="0"/>
-              <a:t>16/12/2025</a:t>
+              <a:t>18/12/2025</a:t>
             </a:fld>
             <a:endParaRPr lang="es-ES" dirty="0"/>
           </a:p>
@@ -858,7 +859,7 @@
             <a:fld id="{3FA2C1CB-B05A-44AD-87CD-C326C038F977}" type="datetime1">
               <a:rPr lang="es-ES" smtClean="0"/>
               <a:pPr/>
-              <a:t>16/12/2025</a:t>
+              <a:t>18/12/2025</a:t>
             </a:fld>
             <a:endParaRPr lang="es-ES" dirty="0"/>
           </a:p>
@@ -2728,7 +2729,7 @@
         </p:nvSpPr>
         <p:spPr>
           <a:xfrm>
-            <a:off x="790405" y="6415445"/>
+            <a:off x="790405" y="6086584"/>
             <a:ext cx="10611187" cy="275460"/>
           </a:xfrm>
           <a:prstGeom prst="rect">
@@ -3079,8 +3080,8 @@
         </p:blipFill>
         <p:spPr>
           <a:xfrm>
-            <a:off x="10981267" y="0"/>
-            <a:ext cx="1210731" cy="1938867"/>
+            <a:off x="10981268" y="119489"/>
+            <a:ext cx="1033110" cy="1116645"/>
           </a:xfrm>
           <a:prstGeom prst="rect">
             <a:avLst/>
@@ -3500,14 +3501,1125 @@
         </p:blipFill>
         <p:spPr>
           <a:xfrm>
-            <a:off x="10981267" y="0"/>
-            <a:ext cx="1210731" cy="1938867"/>
+            <a:off x="10981267" y="119489"/>
+            <a:ext cx="1024465" cy="1116645"/>
           </a:xfrm>
           <a:prstGeom prst="rect">
             <a:avLst/>
           </a:prstGeom>
         </p:spPr>
       </p:pic>
+      <p:pic>
+        <p:nvPicPr>
+          <p:cNvPr id="11" name="Imagen 10" descr="Diagrama&#10;&#10;El contenido generado por IA puede ser incorrecto.">
+            <a:extLst>
+              <a:ext uri="{FF2B5EF4-FFF2-40B4-BE49-F238E27FC236}">
+                <a16:creationId xmlns:a16="http://schemas.microsoft.com/office/drawing/2014/main" id="{F329ABD8-D453-4217-8EBE-8898E7B5416A}"/>
+              </a:ext>
+            </a:extLst>
+          </p:cNvPr>
+          <p:cNvPicPr>
+            <a:picLocks noChangeAspect="1"/>
+          </p:cNvPicPr>
+          <p:nvPr/>
+        </p:nvPicPr>
+        <p:blipFill>
+          <a:blip r:embed="rId4">
+            <a:alphaModFix amt="85000"/>
+            <a:extLst>
+              <a:ext uri="{28A0092B-C50C-407E-A947-70E740481C1C}">
+                <a14:useLocalDpi xmlns:a14="http://schemas.microsoft.com/office/drawing/2010/main" val="0"/>
+              </a:ext>
+            </a:extLst>
+          </a:blip>
+          <a:stretch>
+            <a:fillRect/>
+          </a:stretch>
+        </p:blipFill>
+        <p:spPr>
+          <a:xfrm>
+            <a:off x="837100" y="1597250"/>
+            <a:ext cx="4742845" cy="4668738"/>
+          </a:xfrm>
+          <a:prstGeom prst="rect">
+            <a:avLst/>
+          </a:prstGeom>
+        </p:spPr>
+      </p:pic>
+      <p:cxnSp>
+        <p:nvCxnSpPr>
+          <p:cNvPr id="15" name="Conector: curvado 14">
+            <a:extLst>
+              <a:ext uri="{FF2B5EF4-FFF2-40B4-BE49-F238E27FC236}">
+                <a16:creationId xmlns:a16="http://schemas.microsoft.com/office/drawing/2014/main" id="{7871D5FD-EF20-99D8-70C1-961FECDE0584}"/>
+              </a:ext>
+            </a:extLst>
+          </p:cNvPr>
+          <p:cNvCxnSpPr>
+            <a:cxnSpLocks/>
+            <a:endCxn id="29" idx="1"/>
+          </p:cNvCxnSpPr>
+          <p:nvPr/>
+        </p:nvCxnSpPr>
+        <p:spPr>
+          <a:xfrm flipV="1">
+            <a:off x="4073920" y="5270465"/>
+            <a:ext cx="2140075" cy="540314"/>
+          </a:xfrm>
+          <a:prstGeom prst="curvedConnector3">
+            <a:avLst>
+              <a:gd name="adj1" fmla="val 50000"/>
+            </a:avLst>
+          </a:prstGeom>
+          <a:ln>
+            <a:solidFill>
+              <a:srgbClr val="DEBFF3"/>
+            </a:solidFill>
+            <a:tailEnd type="triangle"/>
+          </a:ln>
+        </p:spPr>
+        <p:style>
+          <a:lnRef idx="1">
+            <a:schemeClr val="accent1"/>
+          </a:lnRef>
+          <a:fillRef idx="0">
+            <a:schemeClr val="accent1"/>
+          </a:fillRef>
+          <a:effectRef idx="0">
+            <a:schemeClr val="accent1"/>
+          </a:effectRef>
+          <a:fontRef idx="minor">
+            <a:schemeClr val="tx1"/>
+          </a:fontRef>
+        </p:style>
+      </p:cxnSp>
+      <p:cxnSp>
+        <p:nvCxnSpPr>
+          <p:cNvPr id="24" name="Conector: curvado 23">
+            <a:extLst>
+              <a:ext uri="{FF2B5EF4-FFF2-40B4-BE49-F238E27FC236}">
+                <a16:creationId xmlns:a16="http://schemas.microsoft.com/office/drawing/2014/main" id="{97F88EA7-9513-2680-9482-4C7A0EA09F3D}"/>
+              </a:ext>
+            </a:extLst>
+          </p:cNvPr>
+          <p:cNvCxnSpPr>
+            <a:cxnSpLocks/>
+            <a:endCxn id="26" idx="1"/>
+          </p:cNvCxnSpPr>
+          <p:nvPr/>
+        </p:nvCxnSpPr>
+        <p:spPr>
+          <a:xfrm>
+            <a:off x="4506685" y="2109198"/>
+            <a:ext cx="1707310" cy="474679"/>
+          </a:xfrm>
+          <a:prstGeom prst="curvedConnector3">
+            <a:avLst>
+              <a:gd name="adj1" fmla="val 50000"/>
+            </a:avLst>
+          </a:prstGeom>
+          <a:ln>
+            <a:solidFill>
+              <a:srgbClr val="DEBFF3"/>
+            </a:solidFill>
+            <a:tailEnd type="triangle"/>
+          </a:ln>
+        </p:spPr>
+        <p:style>
+          <a:lnRef idx="1">
+            <a:schemeClr val="accent1"/>
+          </a:lnRef>
+          <a:fillRef idx="0">
+            <a:schemeClr val="accent1"/>
+          </a:fillRef>
+          <a:effectRef idx="0">
+            <a:schemeClr val="accent1"/>
+          </a:effectRef>
+          <a:fontRef idx="minor">
+            <a:schemeClr val="tx1"/>
+          </a:fontRef>
+        </p:style>
+      </p:cxnSp>
+      <p:sp>
+        <p:nvSpPr>
+          <p:cNvPr id="26" name="Rectángulo: esquinas redondeadas 25">
+            <a:extLst>
+              <a:ext uri="{FF2B5EF4-FFF2-40B4-BE49-F238E27FC236}">
+                <a16:creationId xmlns:a16="http://schemas.microsoft.com/office/drawing/2014/main" id="{7BC2DCD9-4779-50D2-CC47-B54D64059765}"/>
+              </a:ext>
+            </a:extLst>
+          </p:cNvPr>
+          <p:cNvSpPr/>
+          <p:nvPr/>
+        </p:nvSpPr>
+        <p:spPr>
+          <a:xfrm>
+            <a:off x="6213995" y="1355623"/>
+            <a:ext cx="4742845" cy="2456507"/>
+          </a:xfrm>
+          <a:prstGeom prst="roundRect">
+            <a:avLst/>
+          </a:prstGeom>
+          <a:solidFill>
+            <a:srgbClr val="F2E6FA"/>
+          </a:solidFill>
+          <a:ln>
+            <a:solidFill>
+              <a:schemeClr val="bg1"/>
+            </a:solidFill>
+          </a:ln>
+        </p:spPr>
+        <p:style>
+          <a:lnRef idx="2">
+            <a:schemeClr val="accent1">
+              <a:shade val="15000"/>
+            </a:schemeClr>
+          </a:lnRef>
+          <a:fillRef idx="1">
+            <a:schemeClr val="accent1"/>
+          </a:fillRef>
+          <a:effectRef idx="0">
+            <a:schemeClr val="accent1"/>
+          </a:effectRef>
+          <a:fontRef idx="minor">
+            <a:schemeClr val="lt1"/>
+          </a:fontRef>
+        </p:style>
+        <p:txBody>
+          <a:bodyPr rtlCol="0" anchor="ctr"/>
+          <a:lstStyle/>
+          <a:p>
+            <a:pPr algn="ctr"/>
+            <a:r>
+              <a:rPr lang="es-ES" sz="1400" b="1" dirty="0">
+                <a:ln w="0"/>
+                <a:solidFill>
+                  <a:schemeClr val="tx1"/>
+                </a:solidFill>
+                <a:effectLst>
+                  <a:outerShdw blurRad="38100" dist="19050" dir="2700000" algn="tl" rotWithShape="0">
+                    <a:schemeClr val="dk1">
+                      <a:alpha val="40000"/>
+                    </a:schemeClr>
+                  </a:outerShdw>
+                </a:effectLst>
+              </a:rPr>
+              <a:t>Matriz de Riesgo:</a:t>
+            </a:r>
+          </a:p>
+          <a:p>
+            <a:pPr marL="171450" indent="-171450" algn="ctr">
+              <a:buFont typeface="Arial" panose="020B0604020202020204" pitchFamily="34" charset="0"/>
+              <a:buChar char="•"/>
+            </a:pPr>
+            <a:r>
+              <a:rPr lang="es-ES" sz="1000" dirty="0">
+                <a:ln w="0"/>
+                <a:solidFill>
+                  <a:schemeClr val="tx1"/>
+                </a:solidFill>
+                <a:effectLst>
+                  <a:outerShdw blurRad="38100" dist="19050" dir="2700000" algn="tl" rotWithShape="0">
+                    <a:schemeClr val="dk1">
+                      <a:alpha val="40000"/>
+                    </a:schemeClr>
+                  </a:outerShdw>
+                </a:effectLst>
+              </a:rPr>
+              <a:t>Frecuencia anual (events_last_3y / </a:t>
+            </a:r>
+            <a:r>
+              <a:rPr lang="es-ES" sz="1000" dirty="0" err="1">
+                <a:ln w="0"/>
+                <a:solidFill>
+                  <a:schemeClr val="tx1"/>
+                </a:solidFill>
+                <a:effectLst>
+                  <a:outerShdw blurRad="38100" dist="19050" dir="2700000" algn="tl" rotWithShape="0">
+                    <a:schemeClr val="dk1">
+                      <a:alpha val="40000"/>
+                    </a:schemeClr>
+                  </a:outerShdw>
+                </a:effectLst>
+              </a:rPr>
+              <a:t>years_window</a:t>
+            </a:r>
+            <a:r>
+              <a:rPr lang="es-ES" sz="1000" dirty="0">
+                <a:ln w="0"/>
+                <a:solidFill>
+                  <a:schemeClr val="tx1"/>
+                </a:solidFill>
+                <a:effectLst>
+                  <a:outerShdw blurRad="38100" dist="19050" dir="2700000" algn="tl" rotWithShape="0">
+                    <a:schemeClr val="dk1">
+                      <a:alpha val="40000"/>
+                    </a:schemeClr>
+                  </a:outerShdw>
+                </a:effectLst>
+              </a:rPr>
+              <a:t>).</a:t>
+            </a:r>
+          </a:p>
+          <a:p>
+            <a:pPr marL="171450" indent="-171450" algn="ctr">
+              <a:buFont typeface="Arial" panose="020B0604020202020204" pitchFamily="34" charset="0"/>
+              <a:buChar char="•"/>
+            </a:pPr>
+            <a:r>
+              <a:rPr lang="es-ES" sz="1000" dirty="0">
+                <a:ln w="0"/>
+                <a:solidFill>
+                  <a:schemeClr val="tx1"/>
+                </a:solidFill>
+                <a:effectLst>
+                  <a:outerShdw blurRad="38100" dist="19050" dir="2700000" algn="tl" rotWithShape="0">
+                    <a:schemeClr val="dk1">
+                      <a:alpha val="40000"/>
+                    </a:schemeClr>
+                  </a:outerShdw>
+                </a:effectLst>
+              </a:rPr>
+              <a:t>Severidad promedio (total_loss_last_3y / events_last_3y)</a:t>
+            </a:r>
+          </a:p>
+          <a:p>
+            <a:pPr marL="171450" indent="-171450" algn="ctr">
+              <a:buFont typeface="Arial" panose="020B0604020202020204" pitchFamily="34" charset="0"/>
+              <a:buChar char="•"/>
+            </a:pPr>
+            <a:r>
+              <a:rPr lang="es-ES" sz="1000" dirty="0">
+                <a:ln w="0"/>
+                <a:solidFill>
+                  <a:schemeClr val="tx1"/>
+                </a:solidFill>
+                <a:effectLst>
+                  <a:outerShdw blurRad="38100" dist="19050" dir="2700000" algn="tl" rotWithShape="0">
+                    <a:schemeClr val="dk1">
+                      <a:alpha val="40000"/>
+                    </a:schemeClr>
+                  </a:outerShdw>
+                </a:effectLst>
+              </a:rPr>
+              <a:t>Perdida esperada anual (</a:t>
+            </a:r>
+            <a:r>
+              <a:rPr lang="es-ES" sz="1000" dirty="0" err="1">
+                <a:ln w="0"/>
+                <a:solidFill>
+                  <a:schemeClr val="tx1"/>
+                </a:solidFill>
+                <a:effectLst>
+                  <a:outerShdw blurRad="38100" dist="19050" dir="2700000" algn="tl" rotWithShape="0">
+                    <a:schemeClr val="dk1">
+                      <a:alpha val="40000"/>
+                    </a:schemeClr>
+                  </a:outerShdw>
+                </a:effectLst>
+              </a:rPr>
+              <a:t>freq</a:t>
+            </a:r>
+            <a:r>
+              <a:rPr lang="es-ES" sz="1000" dirty="0">
+                <a:ln w="0"/>
+                <a:solidFill>
+                  <a:schemeClr val="tx1"/>
+                </a:solidFill>
+                <a:effectLst>
+                  <a:outerShdw blurRad="38100" dist="19050" dir="2700000" algn="tl" rotWithShape="0">
+                    <a:schemeClr val="dk1">
+                      <a:alpha val="40000"/>
+                    </a:schemeClr>
+                  </a:outerShdw>
+                </a:effectLst>
+              </a:rPr>
+              <a:t> * </a:t>
+            </a:r>
+            <a:r>
+              <a:rPr lang="es-ES" sz="1000" dirty="0" err="1">
+                <a:ln w="0"/>
+                <a:solidFill>
+                  <a:schemeClr val="tx1"/>
+                </a:solidFill>
+                <a:effectLst>
+                  <a:outerShdw blurRad="38100" dist="19050" dir="2700000" algn="tl" rotWithShape="0">
+                    <a:schemeClr val="dk1">
+                      <a:alpha val="40000"/>
+                    </a:schemeClr>
+                  </a:outerShdw>
+                </a:effectLst>
+              </a:rPr>
+              <a:t>severity</a:t>
+            </a:r>
+            <a:r>
+              <a:rPr lang="es-ES" sz="1000" dirty="0">
+                <a:ln w="0"/>
+                <a:solidFill>
+                  <a:schemeClr val="tx1"/>
+                </a:solidFill>
+                <a:effectLst>
+                  <a:outerShdw blurRad="38100" dist="19050" dir="2700000" algn="tl" rotWithShape="0">
+                    <a:schemeClr val="dk1">
+                      <a:alpha val="40000"/>
+                    </a:schemeClr>
+                  </a:outerShdw>
+                </a:effectLst>
+              </a:rPr>
+              <a:t>).</a:t>
+            </a:r>
+          </a:p>
+          <a:p>
+            <a:pPr marL="171450" indent="-171450" algn="ctr">
+              <a:buFont typeface="Arial" panose="020B0604020202020204" pitchFamily="34" charset="0"/>
+              <a:buChar char="•"/>
+            </a:pPr>
+            <a:r>
+              <a:rPr lang="es-ES" sz="1000" dirty="0">
+                <a:ln w="0"/>
+                <a:solidFill>
+                  <a:schemeClr val="tx1"/>
+                </a:solidFill>
+                <a:effectLst>
+                  <a:outerShdw blurRad="38100" dist="19050" dir="2700000" algn="tl" rotWithShape="0">
+                    <a:schemeClr val="dk1">
+                      <a:alpha val="40000"/>
+                    </a:schemeClr>
+                  </a:outerShdw>
+                </a:effectLst>
+              </a:rPr>
+              <a:t>Probabilidad 1–5 (método </a:t>
+            </a:r>
+            <a:r>
+              <a:rPr lang="es-ES" sz="1000" dirty="0" err="1">
+                <a:ln w="0"/>
+                <a:solidFill>
+                  <a:schemeClr val="tx1"/>
+                </a:solidFill>
+                <a:effectLst>
+                  <a:outerShdw blurRad="38100" dist="19050" dir="2700000" algn="tl" rotWithShape="0">
+                    <a:schemeClr val="dk1">
+                      <a:alpha val="40000"/>
+                    </a:schemeClr>
+                  </a:outerShdw>
+                </a:effectLst>
+              </a:rPr>
+              <a:t>quantile</a:t>
+            </a:r>
+            <a:r>
+              <a:rPr lang="es-ES" sz="1000" dirty="0">
+                <a:ln w="0"/>
+                <a:solidFill>
+                  <a:schemeClr val="tx1"/>
+                </a:solidFill>
+                <a:effectLst>
+                  <a:outerShdw blurRad="38100" dist="19050" dir="2700000" algn="tl" rotWithShape="0">
+                    <a:schemeClr val="dk1">
+                      <a:alpha val="40000"/>
+                    </a:schemeClr>
+                  </a:outerShdw>
+                </a:effectLst>
+              </a:rPr>
+              <a:t> o </a:t>
+            </a:r>
+            <a:r>
+              <a:rPr lang="es-ES" sz="1000" dirty="0" err="1">
+                <a:ln w="0"/>
+                <a:solidFill>
+                  <a:schemeClr val="tx1"/>
+                </a:solidFill>
+                <a:effectLst>
+                  <a:outerShdw blurRad="38100" dist="19050" dir="2700000" algn="tl" rotWithShape="0">
+                    <a:schemeClr val="dk1">
+                      <a:alpha val="40000"/>
+                    </a:schemeClr>
+                  </a:outerShdw>
+                </a:effectLst>
+              </a:rPr>
+              <a:t>fixed</a:t>
+            </a:r>
+            <a:r>
+              <a:rPr lang="es-ES" sz="1000" dirty="0">
+                <a:ln w="0"/>
+                <a:solidFill>
+                  <a:schemeClr val="tx1"/>
+                </a:solidFill>
+                <a:effectLst>
+                  <a:outerShdw blurRad="38100" dist="19050" dir="2700000" algn="tl" rotWithShape="0">
+                    <a:schemeClr val="dk1">
+                      <a:alpha val="40000"/>
+                    </a:schemeClr>
+                  </a:outerShdw>
+                </a:effectLst>
+              </a:rPr>
+              <a:t>).</a:t>
+            </a:r>
+          </a:p>
+          <a:p>
+            <a:pPr marL="171450" indent="-171450" algn="ctr">
+              <a:buFont typeface="Arial" panose="020B0604020202020204" pitchFamily="34" charset="0"/>
+              <a:buChar char="•"/>
+            </a:pPr>
+            <a:r>
+              <a:rPr lang="es-ES" sz="1000" dirty="0">
+                <a:ln w="0"/>
+                <a:solidFill>
+                  <a:schemeClr val="tx1"/>
+                </a:solidFill>
+                <a:effectLst>
+                  <a:outerShdw blurRad="38100" dist="19050" dir="2700000" algn="tl" rotWithShape="0">
+                    <a:schemeClr val="dk1">
+                      <a:alpha val="40000"/>
+                    </a:schemeClr>
+                  </a:outerShdw>
+                </a:effectLst>
+              </a:rPr>
+              <a:t>Impacto 1–5 (método </a:t>
+            </a:r>
+            <a:r>
+              <a:rPr lang="es-ES" sz="1000" dirty="0" err="1">
+                <a:ln w="0"/>
+                <a:solidFill>
+                  <a:schemeClr val="tx1"/>
+                </a:solidFill>
+                <a:effectLst>
+                  <a:outerShdw blurRad="38100" dist="19050" dir="2700000" algn="tl" rotWithShape="0">
+                    <a:schemeClr val="dk1">
+                      <a:alpha val="40000"/>
+                    </a:schemeClr>
+                  </a:outerShdw>
+                </a:effectLst>
+              </a:rPr>
+              <a:t>quantile</a:t>
+            </a:r>
+            <a:r>
+              <a:rPr lang="es-ES" sz="1000" dirty="0">
+                <a:ln w="0"/>
+                <a:solidFill>
+                  <a:schemeClr val="tx1"/>
+                </a:solidFill>
+                <a:effectLst>
+                  <a:outerShdw blurRad="38100" dist="19050" dir="2700000" algn="tl" rotWithShape="0">
+                    <a:schemeClr val="dk1">
+                      <a:alpha val="40000"/>
+                    </a:schemeClr>
+                  </a:outerShdw>
+                </a:effectLst>
+              </a:rPr>
+              <a:t> o </a:t>
+            </a:r>
+            <a:r>
+              <a:rPr lang="es-ES" sz="1000" dirty="0" err="1">
+                <a:ln w="0"/>
+                <a:solidFill>
+                  <a:schemeClr val="tx1"/>
+                </a:solidFill>
+                <a:effectLst>
+                  <a:outerShdw blurRad="38100" dist="19050" dir="2700000" algn="tl" rotWithShape="0">
+                    <a:schemeClr val="dk1">
+                      <a:alpha val="40000"/>
+                    </a:schemeClr>
+                  </a:outerShdw>
+                </a:effectLst>
+              </a:rPr>
+              <a:t>fixed</a:t>
+            </a:r>
+            <a:r>
+              <a:rPr lang="es-ES" sz="1000" dirty="0">
+                <a:ln w="0"/>
+                <a:solidFill>
+                  <a:schemeClr val="tx1"/>
+                </a:solidFill>
+                <a:effectLst>
+                  <a:outerShdw blurRad="38100" dist="19050" dir="2700000" algn="tl" rotWithShape="0">
+                    <a:schemeClr val="dk1">
+                      <a:alpha val="40000"/>
+                    </a:schemeClr>
+                  </a:outerShdw>
+                </a:effectLst>
+              </a:rPr>
+              <a:t>).</a:t>
+            </a:r>
+          </a:p>
+          <a:p>
+            <a:pPr marL="171450" indent="-171450" algn="ctr">
+              <a:buFont typeface="Arial" panose="020B0604020202020204" pitchFamily="34" charset="0"/>
+              <a:buChar char="•"/>
+            </a:pPr>
+            <a:r>
+              <a:rPr lang="es-ES" sz="1000" dirty="0">
+                <a:ln w="0"/>
+                <a:solidFill>
+                  <a:schemeClr val="tx1"/>
+                </a:solidFill>
+                <a:effectLst>
+                  <a:outerShdw blurRad="38100" dist="19050" dir="2700000" algn="tl" rotWithShape="0">
+                    <a:schemeClr val="dk1">
+                      <a:alpha val="40000"/>
+                    </a:schemeClr>
+                  </a:outerShdw>
+                </a:effectLst>
+              </a:rPr>
+              <a:t>Matrix 5x5 (conteos y </a:t>
+            </a:r>
+            <a:r>
+              <a:rPr lang="es-ES" sz="1000" dirty="0" err="1">
+                <a:ln w="0"/>
+                <a:solidFill>
+                  <a:schemeClr val="tx1"/>
+                </a:solidFill>
+                <a:effectLst>
+                  <a:outerShdw blurRad="38100" dist="19050" dir="2700000" algn="tl" rotWithShape="0">
+                    <a:schemeClr val="dk1">
+                      <a:alpha val="40000"/>
+                    </a:schemeClr>
+                  </a:outerShdw>
+                </a:effectLst>
+              </a:rPr>
+              <a:t>expected</a:t>
+            </a:r>
+            <a:r>
+              <a:rPr lang="es-ES" sz="1000" dirty="0">
+                <a:ln w="0"/>
+                <a:solidFill>
+                  <a:schemeClr val="tx1"/>
+                </a:solidFill>
+                <a:effectLst>
+                  <a:outerShdw blurRad="38100" dist="19050" dir="2700000" algn="tl" rotWithShape="0">
+                    <a:schemeClr val="dk1">
+                      <a:alpha val="40000"/>
+                    </a:schemeClr>
+                  </a:outerShdw>
+                </a:effectLst>
+              </a:rPr>
+              <a:t> </a:t>
+            </a:r>
+            <a:r>
+              <a:rPr lang="es-ES" sz="1000" dirty="0" err="1">
+                <a:ln w="0"/>
+                <a:solidFill>
+                  <a:schemeClr val="tx1"/>
+                </a:solidFill>
+                <a:effectLst>
+                  <a:outerShdw blurRad="38100" dist="19050" dir="2700000" algn="tl" rotWithShape="0">
+                    <a:schemeClr val="dk1">
+                      <a:alpha val="40000"/>
+                    </a:schemeClr>
+                  </a:outerShdw>
+                </a:effectLst>
+              </a:rPr>
+              <a:t>loss</a:t>
+            </a:r>
+            <a:r>
+              <a:rPr lang="es-ES" sz="1000" dirty="0">
+                <a:ln w="0"/>
+                <a:solidFill>
+                  <a:schemeClr val="tx1"/>
+                </a:solidFill>
+                <a:effectLst>
+                  <a:outerShdw blurRad="38100" dist="19050" dir="2700000" algn="tl" rotWithShape="0">
+                    <a:schemeClr val="dk1">
+                      <a:alpha val="40000"/>
+                    </a:schemeClr>
+                  </a:outerShdw>
+                </a:effectLst>
+              </a:rPr>
+              <a:t>).</a:t>
+            </a:r>
+          </a:p>
+          <a:p>
+            <a:pPr marL="171450" indent="-171450" algn="ctr">
+              <a:buFont typeface="Arial" panose="020B0604020202020204" pitchFamily="34" charset="0"/>
+              <a:buChar char="•"/>
+            </a:pPr>
+            <a:r>
+              <a:rPr lang="es-ES" sz="1000" dirty="0">
+                <a:ln w="0"/>
+                <a:solidFill>
+                  <a:schemeClr val="tx1"/>
+                </a:solidFill>
+                <a:effectLst>
+                  <a:outerShdw blurRad="38100" dist="19050" dir="2700000" algn="tl" rotWithShape="0">
+                    <a:schemeClr val="dk1">
+                      <a:alpha val="40000"/>
+                    </a:schemeClr>
+                  </a:outerShdw>
+                </a:effectLst>
+              </a:rPr>
+              <a:t>Agregación por </a:t>
+            </a:r>
+            <a:r>
+              <a:rPr lang="es-ES" sz="1000" dirty="0" err="1">
+                <a:ln w="0"/>
+                <a:solidFill>
+                  <a:schemeClr val="tx1"/>
+                </a:solidFill>
+                <a:effectLst>
+                  <a:outerShdw blurRad="38100" dist="19050" dir="2700000" algn="tl" rotWithShape="0">
+                    <a:schemeClr val="dk1">
+                      <a:alpha val="40000"/>
+                    </a:schemeClr>
+                  </a:outerShdw>
+                </a:effectLst>
+              </a:rPr>
+              <a:t>process</a:t>
+            </a:r>
+            <a:r>
+              <a:rPr lang="es-ES" sz="1000" dirty="0">
+                <a:ln w="0"/>
+                <a:solidFill>
+                  <a:schemeClr val="tx1"/>
+                </a:solidFill>
+                <a:effectLst>
+                  <a:outerShdw blurRad="38100" dist="19050" dir="2700000" algn="tl" rotWithShape="0">
+                    <a:schemeClr val="dk1">
+                      <a:alpha val="40000"/>
+                    </a:schemeClr>
+                  </a:outerShdw>
+                </a:effectLst>
+              </a:rPr>
+              <a:t> y </a:t>
+            </a:r>
+            <a:r>
+              <a:rPr lang="es-ES" sz="1000" dirty="0" err="1">
+                <a:ln w="0"/>
+                <a:solidFill>
+                  <a:schemeClr val="tx1"/>
+                </a:solidFill>
+                <a:effectLst>
+                  <a:outerShdw blurRad="38100" dist="19050" dir="2700000" algn="tl" rotWithShape="0">
+                    <a:schemeClr val="dk1">
+                      <a:alpha val="40000"/>
+                    </a:schemeClr>
+                  </a:outerShdw>
+                </a:effectLst>
+              </a:rPr>
+              <a:t>risk_type</a:t>
+            </a:r>
+            <a:r>
+              <a:rPr lang="es-ES" sz="1000" dirty="0">
+                <a:ln w="0"/>
+                <a:solidFill>
+                  <a:schemeClr val="tx1"/>
+                </a:solidFill>
+                <a:effectLst>
+                  <a:outerShdw blurRad="38100" dist="19050" dir="2700000" algn="tl" rotWithShape="0">
+                    <a:schemeClr val="dk1">
+                      <a:alpha val="40000"/>
+                    </a:schemeClr>
+                  </a:outerShdw>
+                </a:effectLst>
+              </a:rPr>
+              <a:t>.</a:t>
+            </a:r>
+          </a:p>
+          <a:p>
+            <a:pPr marL="171450" indent="-171450" algn="ctr">
+              <a:buFont typeface="Arial" panose="020B0604020202020204" pitchFamily="34" charset="0"/>
+              <a:buChar char="•"/>
+            </a:pPr>
+            <a:r>
+              <a:rPr lang="es-ES" sz="1000" dirty="0">
+                <a:ln w="0"/>
+                <a:solidFill>
+                  <a:schemeClr val="tx1"/>
+                </a:solidFill>
+                <a:effectLst>
+                  <a:outerShdw blurRad="38100" dist="19050" dir="2700000" algn="tl" rotWithShape="0">
+                    <a:schemeClr val="dk1">
+                      <a:alpha val="40000"/>
+                    </a:schemeClr>
+                  </a:outerShdw>
+                </a:effectLst>
+              </a:rPr>
+              <a:t>Test unitario para cada componente (métricas, </a:t>
+            </a:r>
+            <a:r>
+              <a:rPr lang="es-ES" sz="1000" dirty="0" err="1">
+                <a:ln w="0"/>
+                <a:solidFill>
+                  <a:schemeClr val="tx1"/>
+                </a:solidFill>
+                <a:effectLst>
+                  <a:outerShdw blurRad="38100" dist="19050" dir="2700000" algn="tl" rotWithShape="0">
+                    <a:schemeClr val="dk1">
+                      <a:alpha val="40000"/>
+                    </a:schemeClr>
+                  </a:outerShdw>
+                </a:effectLst>
+              </a:rPr>
+              <a:t>scoring</a:t>
+            </a:r>
+            <a:r>
+              <a:rPr lang="es-ES" sz="1000" dirty="0">
+                <a:ln w="0"/>
+                <a:solidFill>
+                  <a:schemeClr val="tx1"/>
+                </a:solidFill>
+                <a:effectLst>
+                  <a:outerShdw blurRad="38100" dist="19050" dir="2700000" algn="tl" rotWithShape="0">
+                    <a:schemeClr val="dk1">
+                      <a:alpha val="40000"/>
+                    </a:schemeClr>
+                  </a:outerShdw>
+                </a:effectLst>
+              </a:rPr>
+              <a:t>, matriz, agregaciones).</a:t>
+            </a:r>
+            <a:endParaRPr lang="es-CO" sz="1000" dirty="0"/>
+          </a:p>
+        </p:txBody>
+      </p:sp>
+      <p:sp>
+        <p:nvSpPr>
+          <p:cNvPr id="29" name="Rectángulo: esquinas redondeadas 28">
+            <a:extLst>
+              <a:ext uri="{FF2B5EF4-FFF2-40B4-BE49-F238E27FC236}">
+                <a16:creationId xmlns:a16="http://schemas.microsoft.com/office/drawing/2014/main" id="{2519B81C-165D-92C2-935C-49E31915EFC6}"/>
+              </a:ext>
+            </a:extLst>
+          </p:cNvPr>
+          <p:cNvSpPr/>
+          <p:nvPr/>
+        </p:nvSpPr>
+        <p:spPr>
+          <a:xfrm>
+            <a:off x="6213995" y="4042211"/>
+            <a:ext cx="4742845" cy="2456507"/>
+          </a:xfrm>
+          <a:prstGeom prst="roundRect">
+            <a:avLst/>
+          </a:prstGeom>
+          <a:solidFill>
+            <a:srgbClr val="F2E6FA"/>
+          </a:solidFill>
+          <a:ln>
+            <a:solidFill>
+              <a:schemeClr val="bg1"/>
+            </a:solidFill>
+          </a:ln>
+        </p:spPr>
+        <p:style>
+          <a:lnRef idx="2">
+            <a:schemeClr val="accent1">
+              <a:shade val="15000"/>
+            </a:schemeClr>
+          </a:lnRef>
+          <a:fillRef idx="1">
+            <a:schemeClr val="accent1"/>
+          </a:fillRef>
+          <a:effectRef idx="0">
+            <a:schemeClr val="accent1"/>
+          </a:effectRef>
+          <a:fontRef idx="minor">
+            <a:schemeClr val="lt1"/>
+          </a:fontRef>
+        </p:style>
+        <p:txBody>
+          <a:bodyPr rtlCol="0" anchor="ctr"/>
+          <a:lstStyle/>
+          <a:p>
+            <a:pPr algn="ctr"/>
+            <a:r>
+              <a:rPr lang="es-ES" sz="1400" b="1" dirty="0">
+                <a:ln w="0"/>
+                <a:solidFill>
+                  <a:schemeClr val="tx1"/>
+                </a:solidFill>
+                <a:effectLst>
+                  <a:outerShdw blurRad="38100" dist="19050" dir="2700000" algn="tl" rotWithShape="0">
+                    <a:schemeClr val="dk1">
+                      <a:alpha val="40000"/>
+                    </a:schemeClr>
+                  </a:outerShdw>
+                </a:effectLst>
+              </a:rPr>
+              <a:t>Modelo Supervisado:</a:t>
+            </a:r>
+          </a:p>
+          <a:p>
+            <a:pPr marL="171450" indent="-171450" algn="ctr">
+              <a:buFont typeface="Arial" panose="020B0604020202020204" pitchFamily="34" charset="0"/>
+              <a:buChar char="•"/>
+            </a:pPr>
+            <a:r>
+              <a:rPr lang="es-ES" sz="1000" dirty="0">
+                <a:ln w="0"/>
+                <a:solidFill>
+                  <a:schemeClr val="tx1"/>
+                </a:solidFill>
+                <a:effectLst>
+                  <a:outerShdw blurRad="38100" dist="19050" dir="2700000" algn="tl" rotWithShape="0">
+                    <a:schemeClr val="dk1">
+                      <a:alpha val="40000"/>
+                    </a:schemeClr>
+                  </a:outerShdw>
+                </a:effectLst>
+              </a:rPr>
+              <a:t>Entrenar un modelo simple para predecir </a:t>
+            </a:r>
+            <a:r>
+              <a:rPr lang="es-ES" sz="1000" dirty="0" err="1">
+                <a:ln w="0"/>
+                <a:solidFill>
+                  <a:schemeClr val="tx1"/>
+                </a:solidFill>
+                <a:effectLst>
+                  <a:outerShdw blurRad="38100" dist="19050" dir="2700000" algn="tl" rotWithShape="0">
+                    <a:schemeClr val="dk1">
+                      <a:alpha val="40000"/>
+                    </a:schemeClr>
+                  </a:outerShdw>
+                </a:effectLst>
+              </a:rPr>
+              <a:t>critical_flag</a:t>
+            </a:r>
+            <a:r>
+              <a:rPr lang="es-ES" sz="1000" dirty="0">
+                <a:ln w="0"/>
+                <a:solidFill>
+                  <a:schemeClr val="tx1"/>
+                </a:solidFill>
+                <a:effectLst>
+                  <a:outerShdw blurRad="38100" dist="19050" dir="2700000" algn="tl" rotWithShape="0">
+                    <a:schemeClr val="dk1">
+                      <a:alpha val="40000"/>
+                    </a:schemeClr>
+                  </a:outerShdw>
+                </a:effectLst>
+              </a:rPr>
+              <a:t> (</a:t>
+            </a:r>
+            <a:r>
+              <a:rPr lang="es-ES" sz="1000" dirty="0" err="1">
+                <a:ln w="0"/>
+                <a:solidFill>
+                  <a:schemeClr val="tx1"/>
+                </a:solidFill>
+                <a:effectLst>
+                  <a:outerShdw blurRad="38100" dist="19050" dir="2700000" algn="tl" rotWithShape="0">
+                    <a:schemeClr val="dk1">
+                      <a:alpha val="40000"/>
+                    </a:schemeClr>
+                  </a:outerShdw>
+                </a:effectLst>
+              </a:rPr>
+              <a:t>xgboost</a:t>
+            </a:r>
+            <a:r>
+              <a:rPr lang="es-ES" sz="1000" dirty="0">
+                <a:ln w="0"/>
+                <a:solidFill>
+                  <a:schemeClr val="tx1"/>
+                </a:solidFill>
+                <a:effectLst>
+                  <a:outerShdw blurRad="38100" dist="19050" dir="2700000" algn="tl" rotWithShape="0">
+                    <a:schemeClr val="dk1">
+                      <a:alpha val="40000"/>
+                    </a:schemeClr>
+                  </a:outerShdw>
+                </a:effectLst>
+              </a:rPr>
+              <a:t>).</a:t>
+            </a:r>
+          </a:p>
+          <a:p>
+            <a:pPr marL="171450" indent="-171450" algn="ctr">
+              <a:buFont typeface="Arial" panose="020B0604020202020204" pitchFamily="34" charset="0"/>
+              <a:buChar char="•"/>
+            </a:pPr>
+            <a:r>
+              <a:rPr lang="es-ES" sz="1000" dirty="0">
+                <a:ln w="0"/>
+                <a:solidFill>
+                  <a:schemeClr val="tx1"/>
+                </a:solidFill>
+                <a:effectLst>
+                  <a:outerShdw blurRad="38100" dist="19050" dir="2700000" algn="tl" rotWithShape="0">
+                    <a:schemeClr val="dk1">
+                      <a:alpha val="40000"/>
+                    </a:schemeClr>
+                  </a:outerShdw>
+                </a:effectLst>
+              </a:rPr>
+              <a:t>Explicar </a:t>
+            </a:r>
+            <a:r>
+              <a:rPr lang="es-ES" sz="1000" dirty="0" err="1">
+                <a:ln w="0"/>
+                <a:solidFill>
+                  <a:schemeClr val="tx1"/>
+                </a:solidFill>
+                <a:effectLst>
+                  <a:outerShdw blurRad="38100" dist="19050" dir="2700000" algn="tl" rotWithShape="0">
+                    <a:schemeClr val="dk1">
+                      <a:alpha val="40000"/>
+                    </a:schemeClr>
+                  </a:outerShdw>
+                </a:effectLst>
+              </a:rPr>
+              <a:t>features</a:t>
+            </a:r>
+            <a:r>
+              <a:rPr lang="es-ES" sz="1000" dirty="0">
+                <a:ln w="0"/>
+                <a:solidFill>
+                  <a:schemeClr val="tx1"/>
+                </a:solidFill>
+                <a:effectLst>
+                  <a:outerShdw blurRad="38100" dist="19050" dir="2700000" algn="tl" rotWithShape="0">
+                    <a:schemeClr val="dk1">
+                      <a:alpha val="40000"/>
+                    </a:schemeClr>
+                  </a:outerShdw>
+                </a:effectLst>
+              </a:rPr>
+              <a:t> y proceso: uso </a:t>
+            </a:r>
+            <a:r>
+              <a:rPr lang="es-ES" sz="1000" dirty="0" err="1">
+                <a:ln w="0"/>
+                <a:solidFill>
+                  <a:schemeClr val="tx1"/>
+                </a:solidFill>
+                <a:effectLst>
+                  <a:outerShdw blurRad="38100" dist="19050" dir="2700000" algn="tl" rotWithShape="0">
+                    <a:schemeClr val="dk1">
+                      <a:alpha val="40000"/>
+                    </a:schemeClr>
+                  </a:outerShdw>
+                </a:effectLst>
+              </a:rPr>
+              <a:t>FeatureSpec</a:t>
+            </a:r>
+            <a:r>
+              <a:rPr lang="es-ES" sz="1000" dirty="0">
+                <a:ln w="0"/>
+                <a:solidFill>
+                  <a:schemeClr val="tx1"/>
+                </a:solidFill>
+                <a:effectLst>
+                  <a:outerShdw blurRad="38100" dist="19050" dir="2700000" algn="tl" rotWithShape="0">
+                    <a:schemeClr val="dk1">
+                      <a:alpha val="40000"/>
+                    </a:schemeClr>
+                  </a:outerShdw>
+                </a:effectLst>
+              </a:rPr>
+              <a:t>.</a:t>
+            </a:r>
+          </a:p>
+          <a:p>
+            <a:pPr marL="171450" indent="-171450" algn="ctr">
+              <a:buFont typeface="Arial" panose="020B0604020202020204" pitchFamily="34" charset="0"/>
+              <a:buChar char="•"/>
+            </a:pPr>
+            <a:r>
+              <a:rPr lang="es-ES" sz="1000" dirty="0">
+                <a:ln w="0"/>
+                <a:solidFill>
+                  <a:schemeClr val="tx1"/>
+                </a:solidFill>
+                <a:effectLst>
+                  <a:outerShdw blurRad="38100" dist="19050" dir="2700000" algn="tl" rotWithShape="0">
+                    <a:schemeClr val="dk1">
+                      <a:alpha val="40000"/>
+                    </a:schemeClr>
+                  </a:outerShdw>
+                </a:effectLst>
+              </a:rPr>
+              <a:t>Métricas: PR-AUC en </a:t>
+            </a:r>
+            <a:r>
+              <a:rPr lang="es-ES" sz="1000" dirty="0" err="1">
+                <a:ln w="0"/>
+                <a:solidFill>
+                  <a:schemeClr val="tx1"/>
+                </a:solidFill>
+                <a:effectLst>
+                  <a:outerShdw blurRad="38100" dist="19050" dir="2700000" algn="tl" rotWithShape="0">
+                    <a:schemeClr val="dk1">
+                      <a:alpha val="40000"/>
+                    </a:schemeClr>
+                  </a:outerShdw>
+                </a:effectLst>
+              </a:rPr>
+              <a:t>dataset</a:t>
+            </a:r>
+            <a:r>
+              <a:rPr lang="es-ES" sz="1000" dirty="0">
+                <a:ln w="0"/>
+                <a:solidFill>
+                  <a:schemeClr val="tx1"/>
+                </a:solidFill>
+                <a:effectLst>
+                  <a:outerShdw blurRad="38100" dist="19050" dir="2700000" algn="tl" rotWithShape="0">
+                    <a:schemeClr val="dk1">
+                      <a:alpha val="40000"/>
+                    </a:schemeClr>
+                  </a:outerShdw>
+                </a:effectLst>
+              </a:rPr>
+              <a:t> desbalanceado.</a:t>
+            </a:r>
+          </a:p>
+          <a:p>
+            <a:pPr marL="171450" indent="-171450" algn="ctr">
+              <a:buFont typeface="Arial" panose="020B0604020202020204" pitchFamily="34" charset="0"/>
+              <a:buChar char="•"/>
+            </a:pPr>
+            <a:r>
+              <a:rPr lang="es-ES" sz="1000" dirty="0">
+                <a:ln w="0"/>
+                <a:solidFill>
+                  <a:schemeClr val="tx1"/>
+                </a:solidFill>
+                <a:effectLst>
+                  <a:outerShdw blurRad="38100" dist="19050" dir="2700000" algn="tl" rotWithShape="0">
+                    <a:schemeClr val="dk1">
+                      <a:alpha val="40000"/>
+                    </a:schemeClr>
+                  </a:outerShdw>
+                </a:effectLst>
+              </a:rPr>
+              <a:t>Manejo de desbalanceo: </a:t>
+            </a:r>
+            <a:r>
+              <a:rPr lang="es-ES" sz="1000" dirty="0" err="1">
+                <a:ln w="0"/>
+                <a:solidFill>
+                  <a:schemeClr val="tx1"/>
+                </a:solidFill>
+                <a:effectLst>
+                  <a:outerShdw blurRad="38100" dist="19050" dir="2700000" algn="tl" rotWithShape="0">
+                    <a:schemeClr val="dk1">
+                      <a:alpha val="40000"/>
+                    </a:schemeClr>
+                  </a:outerShdw>
+                </a:effectLst>
+              </a:rPr>
+              <a:t>scale_pos_weight</a:t>
+            </a:r>
+            <a:r>
+              <a:rPr lang="es-ES" sz="1000" dirty="0">
+                <a:ln w="0"/>
+                <a:solidFill>
+                  <a:schemeClr val="tx1"/>
+                </a:solidFill>
+                <a:effectLst>
+                  <a:outerShdw blurRad="38100" dist="19050" dir="2700000" algn="tl" rotWithShape="0">
+                    <a:schemeClr val="dk1">
+                      <a:alpha val="40000"/>
+                    </a:schemeClr>
+                  </a:outerShdw>
+                </a:effectLst>
+              </a:rPr>
+              <a:t>.</a:t>
+            </a:r>
+            <a:endParaRPr lang="es-CO" sz="1000" dirty="0"/>
+          </a:p>
+        </p:txBody>
+      </p:sp>
     </p:spTree>
     <p:extLst>
       <p:ext uri="{BB962C8B-B14F-4D97-AF65-F5344CB8AC3E}">
@@ -3522,6 +4634,632 @@
 </file>
 
 <file path=ppt/slides/slide4.xml><?xml version="1.0" encoding="utf-8"?>
+<p:sld xmlns:a="http://schemas.openxmlformats.org/drawingml/2006/main" xmlns:r="http://schemas.openxmlformats.org/officeDocument/2006/relationships" xmlns:p="http://schemas.openxmlformats.org/presentationml/2006/main">
+  <p:cSld>
+    <p:spTree>
+      <p:nvGrpSpPr>
+        <p:cNvPr id="1" name="">
+          <a:extLst>
+            <a:ext uri="{FF2B5EF4-FFF2-40B4-BE49-F238E27FC236}">
+              <a16:creationId xmlns:a16="http://schemas.microsoft.com/office/drawing/2014/main" id="{D4DE40EF-67F8-C182-9AC7-8D93B12E7F2B}"/>
+            </a:ext>
+          </a:extLst>
+        </p:cNvPr>
+        <p:cNvGrpSpPr/>
+        <p:nvPr/>
+      </p:nvGrpSpPr>
+      <p:grpSpPr>
+        <a:xfrm>
+          <a:off x="0" y="0"/>
+          <a:ext cx="0" cy="0"/>
+          <a:chOff x="0" y="0"/>
+          <a:chExt cx="0" cy="0"/>
+        </a:xfrm>
+      </p:grpSpPr>
+      <p:sp>
+        <p:nvSpPr>
+          <p:cNvPr id="18" name="Rectángulo: esquinas redondeadas 17">
+            <a:extLst>
+              <a:ext uri="{FF2B5EF4-FFF2-40B4-BE49-F238E27FC236}">
+                <a16:creationId xmlns:a16="http://schemas.microsoft.com/office/drawing/2014/main" id="{F25D1884-7AF6-6DF5-D4F0-9AE42EB8D557}"/>
+              </a:ext>
+            </a:extLst>
+          </p:cNvPr>
+          <p:cNvSpPr/>
+          <p:nvPr/>
+        </p:nvSpPr>
+        <p:spPr>
+          <a:xfrm>
+            <a:off x="4903873" y="1338759"/>
+            <a:ext cx="7026903" cy="5452995"/>
+          </a:xfrm>
+          <a:prstGeom prst="roundRect">
+            <a:avLst/>
+          </a:prstGeom>
+          <a:ln>
+            <a:solidFill>
+              <a:srgbClr val="E6CEF6"/>
+            </a:solidFill>
+            <a:prstDash val="sysDash"/>
+          </a:ln>
+        </p:spPr>
+        <p:style>
+          <a:lnRef idx="2">
+            <a:schemeClr val="accent1"/>
+          </a:lnRef>
+          <a:fillRef idx="1">
+            <a:schemeClr val="lt1"/>
+          </a:fillRef>
+          <a:effectRef idx="0">
+            <a:schemeClr val="accent1"/>
+          </a:effectRef>
+          <a:fontRef idx="minor">
+            <a:schemeClr val="dk1"/>
+          </a:fontRef>
+        </p:style>
+        <p:txBody>
+          <a:bodyPr rtlCol="0" anchor="ctr"/>
+          <a:lstStyle/>
+          <a:p>
+            <a:pPr algn="ctr"/>
+            <a:endParaRPr lang="es-CO"/>
+          </a:p>
+        </p:txBody>
+      </p:sp>
+      <p:sp>
+        <p:nvSpPr>
+          <p:cNvPr id="17" name="Rectángulo: esquinas redondeadas 16">
+            <a:extLst>
+              <a:ext uri="{FF2B5EF4-FFF2-40B4-BE49-F238E27FC236}">
+                <a16:creationId xmlns:a16="http://schemas.microsoft.com/office/drawing/2014/main" id="{C335B821-A577-010B-DB6E-60836B42409E}"/>
+              </a:ext>
+            </a:extLst>
+          </p:cNvPr>
+          <p:cNvSpPr/>
+          <p:nvPr/>
+        </p:nvSpPr>
+        <p:spPr>
+          <a:xfrm>
+            <a:off x="424004" y="1285515"/>
+            <a:ext cx="4234543" cy="5452995"/>
+          </a:xfrm>
+          <a:prstGeom prst="roundRect">
+            <a:avLst/>
+          </a:prstGeom>
+          <a:ln>
+            <a:solidFill>
+              <a:srgbClr val="E6CEF6"/>
+            </a:solidFill>
+            <a:prstDash val="sysDash"/>
+          </a:ln>
+        </p:spPr>
+        <p:style>
+          <a:lnRef idx="2">
+            <a:schemeClr val="accent1"/>
+          </a:lnRef>
+          <a:fillRef idx="1">
+            <a:schemeClr val="lt1"/>
+          </a:fillRef>
+          <a:effectRef idx="0">
+            <a:schemeClr val="accent1"/>
+          </a:effectRef>
+          <a:fontRef idx="minor">
+            <a:schemeClr val="dk1"/>
+          </a:fontRef>
+        </p:style>
+        <p:txBody>
+          <a:bodyPr rtlCol="0" anchor="ctr"/>
+          <a:lstStyle/>
+          <a:p>
+            <a:pPr algn="ctr"/>
+            <a:endParaRPr lang="es-CO" dirty="0"/>
+          </a:p>
+        </p:txBody>
+      </p:sp>
+      <p:sp>
+        <p:nvSpPr>
+          <p:cNvPr id="2" name="Marcador de número de diapositiva 1">
+            <a:extLst>
+              <a:ext uri="{FF2B5EF4-FFF2-40B4-BE49-F238E27FC236}">
+                <a16:creationId xmlns:a16="http://schemas.microsoft.com/office/drawing/2014/main" id="{B813E816-5CBF-525F-5D6B-495E7BD3CC21}"/>
+              </a:ext>
+            </a:extLst>
+          </p:cNvPr>
+          <p:cNvSpPr>
+            <a:spLocks noGrp="1"/>
+          </p:cNvSpPr>
+          <p:nvPr>
+            <p:ph type="sldNum" sz="quarter" idx="12"/>
+          </p:nvPr>
+        </p:nvSpPr>
+        <p:spPr/>
+        <p:txBody>
+          <a:bodyPr/>
+          <a:lstStyle/>
+          <a:p>
+            <a:pPr rtl="0"/>
+            <a:fld id="{5AE1514C-5E56-4738-A1FF-4B1CFD2A3E36}" type="slidenum">
+              <a:rPr lang="es-ES" noProof="0" smtClean="0"/>
+              <a:t>4</a:t>
+            </a:fld>
+            <a:endParaRPr lang="es-ES" noProof="0"/>
+          </a:p>
+        </p:txBody>
+      </p:sp>
+      <p:sp>
+        <p:nvSpPr>
+          <p:cNvPr id="9" name="Rectángulo 8">
+            <a:extLst>
+              <a:ext uri="{FF2B5EF4-FFF2-40B4-BE49-F238E27FC236}">
+                <a16:creationId xmlns:a16="http://schemas.microsoft.com/office/drawing/2014/main" id="{8ED76385-2CCB-84C7-57EE-A12A67530AF9}"/>
+              </a:ext>
+            </a:extLst>
+          </p:cNvPr>
+          <p:cNvSpPr/>
+          <p:nvPr/>
+        </p:nvSpPr>
+        <p:spPr>
+          <a:xfrm>
+            <a:off x="177623" y="119490"/>
+            <a:ext cx="11828110" cy="1116644"/>
+          </a:xfrm>
+          <a:prstGeom prst="rect">
+            <a:avLst/>
+          </a:prstGeom>
+          <a:solidFill>
+            <a:srgbClr val="F2E6FA"/>
+          </a:solidFill>
+          <a:ln>
+            <a:noFill/>
+          </a:ln>
+        </p:spPr>
+        <p:style>
+          <a:lnRef idx="2">
+            <a:schemeClr val="accent1">
+              <a:shade val="15000"/>
+            </a:schemeClr>
+          </a:lnRef>
+          <a:fillRef idx="1">
+            <a:schemeClr val="accent1"/>
+          </a:fillRef>
+          <a:effectRef idx="0">
+            <a:schemeClr val="accent1"/>
+          </a:effectRef>
+          <a:fontRef idx="minor">
+            <a:schemeClr val="lt1"/>
+          </a:fontRef>
+        </p:style>
+        <p:txBody>
+          <a:bodyPr rtlCol="0" anchor="ctr"/>
+          <a:lstStyle/>
+          <a:p>
+            <a:pPr algn="ctr"/>
+            <a:endParaRPr lang="es-CO">
+              <a:solidFill>
+                <a:srgbClr val="E6CEF6"/>
+              </a:solidFill>
+            </a:endParaRPr>
+          </a:p>
+        </p:txBody>
+      </p:sp>
+      <p:sp>
+        <p:nvSpPr>
+          <p:cNvPr id="6" name="CuadroTexto 5">
+            <a:extLst>
+              <a:ext uri="{FF2B5EF4-FFF2-40B4-BE49-F238E27FC236}">
+                <a16:creationId xmlns:a16="http://schemas.microsoft.com/office/drawing/2014/main" id="{35ABAF9A-BB4D-F3ED-13CF-4C93FD55FAC8}"/>
+              </a:ext>
+            </a:extLst>
+          </p:cNvPr>
+          <p:cNvSpPr txBox="1"/>
+          <p:nvPr/>
+        </p:nvSpPr>
+        <p:spPr>
+          <a:xfrm>
+            <a:off x="186267" y="474679"/>
+            <a:ext cx="10794999" cy="406265"/>
+          </a:xfrm>
+          <a:prstGeom prst="rect">
+            <a:avLst/>
+          </a:prstGeom>
+          <a:noFill/>
+        </p:spPr>
+        <p:txBody>
+          <a:bodyPr wrap="square">
+            <a:spAutoFit/>
+          </a:bodyPr>
+          <a:lstStyle/>
+          <a:p>
+            <a:pPr marL="0" marR="0" lvl="0" indent="0" algn="ctr" defTabSz="914400" rtl="0" eaLnBrk="1" fontAlgn="auto" latinLnBrk="0" hangingPunct="1">
+              <a:lnSpc>
+                <a:spcPct val="85000"/>
+              </a:lnSpc>
+              <a:spcBef>
+                <a:spcPts val="0"/>
+              </a:spcBef>
+              <a:spcAft>
+                <a:spcPts val="0"/>
+              </a:spcAft>
+              <a:buClrTx/>
+              <a:buSzTx/>
+              <a:buFontTx/>
+              <a:buNone/>
+              <a:tabLst/>
+              <a:defRPr/>
+            </a:pPr>
+            <a:r>
+              <a:rPr lang="es-ES" sz="2400" b="1" i="0" u="none" strike="noStrike" kern="1200" cap="none" spc="-20" normalizeH="0" dirty="0">
+                <a:ln>
+                  <a:noFill/>
+                </a:ln>
+                <a:solidFill>
+                  <a:srgbClr val="D50D97"/>
+                </a:solidFill>
+                <a:effectLst/>
+                <a:uLnTx/>
+                <a:uFillTx/>
+                <a:latin typeface="Segoe UI"/>
+                <a:ea typeface="+mn-ea"/>
+                <a:cs typeface="+mn-cs"/>
+              </a:rPr>
+              <a:t>MATRIZ DE RIESGO - ML SUPERVISADO</a:t>
+            </a:r>
+          </a:p>
+        </p:txBody>
+      </p:sp>
+      <p:pic>
+        <p:nvPicPr>
+          <p:cNvPr id="4" name="Picture 2" descr="RECARGA NEQUI COLOMBIA">
+            <a:extLst>
+              <a:ext uri="{FF2B5EF4-FFF2-40B4-BE49-F238E27FC236}">
+                <a16:creationId xmlns:a16="http://schemas.microsoft.com/office/drawing/2014/main" id="{4675F0DD-0ED1-BB4E-7282-9E44DFAD31A8}"/>
+              </a:ext>
+            </a:extLst>
+          </p:cNvPr>
+          <p:cNvPicPr>
+            <a:picLocks noChangeAspect="1" noChangeArrowheads="1"/>
+          </p:cNvPicPr>
+          <p:nvPr/>
+        </p:nvPicPr>
+        <p:blipFill>
+          <a:blip r:embed="rId2">
+            <a:extLst>
+              <a:ext uri="{28A0092B-C50C-407E-A947-70E740481C1C}">
+                <a14:useLocalDpi xmlns:a14="http://schemas.microsoft.com/office/drawing/2010/main" val="0"/>
+              </a:ext>
+            </a:extLst>
+          </a:blip>
+          <a:srcRect/>
+          <a:stretch>
+            <a:fillRect/>
+          </a:stretch>
+        </p:blipFill>
+        <p:spPr bwMode="auto">
+          <a:xfrm>
+            <a:off x="10760712" y="0"/>
+            <a:ext cx="1431287" cy="1431287"/>
+          </a:xfrm>
+          <a:prstGeom prst="rect">
+            <a:avLst/>
+          </a:prstGeom>
+          <a:noFill/>
+          <a:extLst>
+            <a:ext uri="{909E8E84-426E-40DD-AFC4-6F175D3DCCD1}">
+              <a14:hiddenFill xmlns:a14="http://schemas.microsoft.com/office/drawing/2010/main">
+                <a:solidFill>
+                  <a:srgbClr val="FFFFFF"/>
+                </a:solidFill>
+              </a14:hiddenFill>
+            </a:ext>
+          </a:extLst>
+        </p:spPr>
+      </p:pic>
+      <p:pic>
+        <p:nvPicPr>
+          <p:cNvPr id="3" name="Imagen 2">
+            <a:extLst>
+              <a:ext uri="{FF2B5EF4-FFF2-40B4-BE49-F238E27FC236}">
+                <a16:creationId xmlns:a16="http://schemas.microsoft.com/office/drawing/2014/main" id="{C33ECCB1-39D2-F8E3-B608-7AE001B3D7B9}"/>
+              </a:ext>
+            </a:extLst>
+          </p:cNvPr>
+          <p:cNvPicPr>
+            <a:picLocks noChangeAspect="1"/>
+          </p:cNvPicPr>
+          <p:nvPr/>
+        </p:nvPicPr>
+        <p:blipFill>
+          <a:blip r:embed="rId3">
+            <a:lum bright="70000" contrast="-70000"/>
+            <a:alphaModFix amt="70000"/>
+          </a:blip>
+          <a:stretch>
+            <a:fillRect/>
+          </a:stretch>
+        </p:blipFill>
+        <p:spPr>
+          <a:xfrm>
+            <a:off x="10981267" y="119489"/>
+            <a:ext cx="1024465" cy="1116645"/>
+          </a:xfrm>
+          <a:prstGeom prst="rect">
+            <a:avLst/>
+          </a:prstGeom>
+        </p:spPr>
+      </p:pic>
+      <p:pic>
+        <p:nvPicPr>
+          <p:cNvPr id="23" name="Imagen 22" descr="Gráfico&#10;&#10;El contenido generado por IA puede ser incorrecto.">
+            <a:extLst>
+              <a:ext uri="{FF2B5EF4-FFF2-40B4-BE49-F238E27FC236}">
+                <a16:creationId xmlns:a16="http://schemas.microsoft.com/office/drawing/2014/main" id="{647EDCC4-CFEC-22F5-1D7F-0DF5AE1A4605}"/>
+              </a:ext>
+            </a:extLst>
+          </p:cNvPr>
+          <p:cNvPicPr>
+            <a:picLocks noChangeAspect="1"/>
+          </p:cNvPicPr>
+          <p:nvPr/>
+        </p:nvPicPr>
+        <p:blipFill>
+          <a:blip r:embed="rId4">
+            <a:extLst>
+              <a:ext uri="{28A0092B-C50C-407E-A947-70E740481C1C}">
+                <a14:useLocalDpi xmlns:a14="http://schemas.microsoft.com/office/drawing/2010/main" val="0"/>
+              </a:ext>
+            </a:extLst>
+          </a:blip>
+          <a:srcRect r="3797"/>
+          <a:stretch>
+            <a:fillRect/>
+          </a:stretch>
+        </p:blipFill>
+        <p:spPr>
+          <a:xfrm>
+            <a:off x="785346" y="1425699"/>
+            <a:ext cx="3503625" cy="2731433"/>
+          </a:xfrm>
+          <a:prstGeom prst="rect">
+            <a:avLst/>
+          </a:prstGeom>
+        </p:spPr>
+      </p:pic>
+      <p:pic>
+        <p:nvPicPr>
+          <p:cNvPr id="5" name="Imagen 4">
+            <a:extLst>
+              <a:ext uri="{FF2B5EF4-FFF2-40B4-BE49-F238E27FC236}">
+                <a16:creationId xmlns:a16="http://schemas.microsoft.com/office/drawing/2014/main" id="{EAD87511-3636-7F0A-2BDE-0FFC7B99ACE6}"/>
+              </a:ext>
+            </a:extLst>
+          </p:cNvPr>
+          <p:cNvPicPr>
+            <a:picLocks noChangeAspect="1"/>
+          </p:cNvPicPr>
+          <p:nvPr/>
+        </p:nvPicPr>
+        <p:blipFill>
+          <a:blip r:embed="rId5"/>
+          <a:stretch>
+            <a:fillRect/>
+          </a:stretch>
+        </p:blipFill>
+        <p:spPr>
+          <a:xfrm>
+            <a:off x="5299224" y="4299517"/>
+            <a:ext cx="3131470" cy="2348603"/>
+          </a:xfrm>
+          <a:prstGeom prst="rect">
+            <a:avLst/>
+          </a:prstGeom>
+        </p:spPr>
+      </p:pic>
+      <p:pic>
+        <p:nvPicPr>
+          <p:cNvPr id="10" name="Imagen 9" descr="Gráfico&#10;&#10;El contenido generado por IA puede ser incorrecto.">
+            <a:extLst>
+              <a:ext uri="{FF2B5EF4-FFF2-40B4-BE49-F238E27FC236}">
+                <a16:creationId xmlns:a16="http://schemas.microsoft.com/office/drawing/2014/main" id="{C5B90E81-DDC7-0113-01DA-63CEC2F75A21}"/>
+              </a:ext>
+            </a:extLst>
+          </p:cNvPr>
+          <p:cNvPicPr>
+            <a:picLocks noChangeAspect="1"/>
+          </p:cNvPicPr>
+          <p:nvPr/>
+        </p:nvPicPr>
+        <p:blipFill>
+          <a:blip r:embed="rId6">
+            <a:extLst>
+              <a:ext uri="{28A0092B-C50C-407E-A947-70E740481C1C}">
+                <a14:useLocalDpi xmlns:a14="http://schemas.microsoft.com/office/drawing/2010/main" val="0"/>
+              </a:ext>
+            </a:extLst>
+          </a:blip>
+          <a:stretch>
+            <a:fillRect/>
+          </a:stretch>
+        </p:blipFill>
+        <p:spPr>
+          <a:xfrm>
+            <a:off x="6980225" y="1425699"/>
+            <a:ext cx="3394948" cy="2829123"/>
+          </a:xfrm>
+          <a:prstGeom prst="rect">
+            <a:avLst/>
+          </a:prstGeom>
+        </p:spPr>
+      </p:pic>
+      <p:pic>
+        <p:nvPicPr>
+          <p:cNvPr id="14" name="Imagen 13" descr="Gráfico, Gráfico de barras&#10;&#10;El contenido generado por IA puede ser incorrecto.">
+            <a:extLst>
+              <a:ext uri="{FF2B5EF4-FFF2-40B4-BE49-F238E27FC236}">
+                <a16:creationId xmlns:a16="http://schemas.microsoft.com/office/drawing/2014/main" id="{5BC27A3B-33BE-1CB2-AC66-B60C17552320}"/>
+              </a:ext>
+            </a:extLst>
+          </p:cNvPr>
+          <p:cNvPicPr>
+            <a:picLocks noChangeAspect="1"/>
+          </p:cNvPicPr>
+          <p:nvPr/>
+        </p:nvPicPr>
+        <p:blipFill>
+          <a:blip r:embed="rId7">
+            <a:extLst>
+              <a:ext uri="{28A0092B-C50C-407E-A947-70E740481C1C}">
+                <a14:useLocalDpi xmlns:a14="http://schemas.microsoft.com/office/drawing/2010/main" val="0"/>
+              </a:ext>
+            </a:extLst>
+          </a:blip>
+          <a:stretch>
+            <a:fillRect/>
+          </a:stretch>
+        </p:blipFill>
+        <p:spPr>
+          <a:xfrm>
+            <a:off x="683342" y="4346697"/>
+            <a:ext cx="3743915" cy="2246349"/>
+          </a:xfrm>
+          <a:prstGeom prst="rect">
+            <a:avLst/>
+          </a:prstGeom>
+        </p:spPr>
+      </p:pic>
+      <p:pic>
+        <p:nvPicPr>
+          <p:cNvPr id="16" name="Imagen 15">
+            <a:extLst>
+              <a:ext uri="{FF2B5EF4-FFF2-40B4-BE49-F238E27FC236}">
+                <a16:creationId xmlns:a16="http://schemas.microsoft.com/office/drawing/2014/main" id="{9597B74F-4065-39F5-FC9A-F45DE45B3599}"/>
+              </a:ext>
+            </a:extLst>
+          </p:cNvPr>
+          <p:cNvPicPr>
+            <a:picLocks noChangeAspect="1"/>
+          </p:cNvPicPr>
+          <p:nvPr/>
+        </p:nvPicPr>
+        <p:blipFill>
+          <a:blip r:embed="rId8"/>
+          <a:stretch>
+            <a:fillRect/>
+          </a:stretch>
+        </p:blipFill>
+        <p:spPr>
+          <a:xfrm>
+            <a:off x="8684527" y="4244443"/>
+            <a:ext cx="2935754" cy="2348603"/>
+          </a:xfrm>
+          <a:prstGeom prst="rect">
+            <a:avLst/>
+          </a:prstGeom>
+        </p:spPr>
+      </p:pic>
+      <p:sp>
+        <p:nvSpPr>
+          <p:cNvPr id="19" name="CuadroTexto 18">
+            <a:extLst>
+              <a:ext uri="{FF2B5EF4-FFF2-40B4-BE49-F238E27FC236}">
+                <a16:creationId xmlns:a16="http://schemas.microsoft.com/office/drawing/2014/main" id="{7179ED71-CA9E-3EE6-76A9-FDB3117E3DC6}"/>
+              </a:ext>
+            </a:extLst>
+          </p:cNvPr>
+          <p:cNvSpPr txBox="1"/>
+          <p:nvPr/>
+        </p:nvSpPr>
+        <p:spPr>
+          <a:xfrm>
+            <a:off x="540020" y="1425699"/>
+            <a:ext cx="409086" cy="461665"/>
+          </a:xfrm>
+          <a:prstGeom prst="rect">
+            <a:avLst/>
+          </a:prstGeom>
+          <a:noFill/>
+          <a:ln>
+            <a:noFill/>
+          </a:ln>
+        </p:spPr>
+        <p:txBody>
+          <a:bodyPr wrap="none" rtlCol="0">
+            <a:spAutoFit/>
+          </a:bodyPr>
+          <a:lstStyle/>
+          <a:p>
+            <a:r>
+              <a:rPr lang="es-CO" sz="2400" b="1" dirty="0">
+                <a:latin typeface="Comic Sans MS" panose="030F0702030302020204" pitchFamily="66" charset="0"/>
+                <a:cs typeface="Aharoni" panose="02010803020104030203" pitchFamily="2" charset="-79"/>
+              </a:rPr>
+              <a:t>A</a:t>
+            </a:r>
+            <a:endParaRPr lang="es-CO" b="1" dirty="0">
+              <a:latin typeface="Comic Sans MS" panose="030F0702030302020204" pitchFamily="66" charset="0"/>
+              <a:cs typeface="Aharoni" panose="02010803020104030203" pitchFamily="2" charset="-79"/>
+            </a:endParaRPr>
+          </a:p>
+        </p:txBody>
+      </p:sp>
+      <p:sp>
+        <p:nvSpPr>
+          <p:cNvPr id="20" name="CuadroTexto 19">
+            <a:extLst>
+              <a:ext uri="{FF2B5EF4-FFF2-40B4-BE49-F238E27FC236}">
+                <a16:creationId xmlns:a16="http://schemas.microsoft.com/office/drawing/2014/main" id="{3DD6A0C8-6858-3C88-0679-CA157D2CE0B2}"/>
+              </a:ext>
+            </a:extLst>
+          </p:cNvPr>
+          <p:cNvSpPr txBox="1"/>
+          <p:nvPr/>
+        </p:nvSpPr>
+        <p:spPr>
+          <a:xfrm>
+            <a:off x="5171873" y="1425698"/>
+            <a:ext cx="378630" cy="461665"/>
+          </a:xfrm>
+          <a:prstGeom prst="rect">
+            <a:avLst/>
+          </a:prstGeom>
+          <a:noFill/>
+          <a:ln>
+            <a:noFill/>
+          </a:ln>
+        </p:spPr>
+        <p:txBody>
+          <a:bodyPr wrap="none" rtlCol="0">
+            <a:spAutoFit/>
+          </a:bodyPr>
+          <a:lstStyle/>
+          <a:p>
+            <a:r>
+              <a:rPr lang="es-CO" sz="2400" b="1" dirty="0">
+                <a:latin typeface="Comic Sans MS" panose="030F0702030302020204" pitchFamily="66" charset="0"/>
+                <a:cs typeface="Aharoni" panose="02010803020104030203" pitchFamily="2" charset="-79"/>
+              </a:rPr>
+              <a:t>B</a:t>
+            </a:r>
+            <a:endParaRPr lang="es-CO" b="1" dirty="0">
+              <a:latin typeface="Comic Sans MS" panose="030F0702030302020204" pitchFamily="66" charset="0"/>
+              <a:cs typeface="Aharoni" panose="02010803020104030203" pitchFamily="2" charset="-79"/>
+            </a:endParaRPr>
+          </a:p>
+        </p:txBody>
+      </p:sp>
+    </p:spTree>
+    <p:extLst>
+      <p:ext uri="{BB962C8B-B14F-4D97-AF65-F5344CB8AC3E}">
+        <p14:creationId xmlns:p14="http://schemas.microsoft.com/office/powerpoint/2010/main" val="3243226793"/>
+      </p:ext>
+    </p:extLst>
+  </p:cSld>
+  <p:clrMapOvr>
+    <a:masterClrMapping/>
+  </p:clrMapOvr>
+</p:sld>
+</file>
+
+<file path=ppt/slides/slide5.xml><?xml version="1.0" encoding="utf-8"?>
 <p:sld xmlns:a="http://schemas.openxmlformats.org/drawingml/2006/main" xmlns:r="http://schemas.openxmlformats.org/officeDocument/2006/relationships" xmlns:p="http://schemas.openxmlformats.org/presentationml/2006/main">
   <p:cSld>
     <p:spTree>
@@ -3568,7 +5306,7 @@
             <a:pPr rtl="0"/>
             <a:fld id="{5AE1514C-5E56-4738-A1FF-4B1CFD2A3E36}" type="slidenum">
               <a:rPr lang="es-ES" noProof="0" smtClean="0"/>
-              <a:t>4</a:t>
+              <a:t>5</a:t>
             </a:fld>
             <a:endParaRPr lang="es-ES" noProof="0"/>
           </a:p>
@@ -3773,14 +5511,210 @@
         </p:blipFill>
         <p:spPr>
           <a:xfrm>
-            <a:off x="10981267" y="0"/>
-            <a:ext cx="1210731" cy="1938867"/>
+            <a:off x="10981268" y="119489"/>
+            <a:ext cx="1033110" cy="1116645"/>
           </a:xfrm>
           <a:prstGeom prst="rect">
             <a:avLst/>
           </a:prstGeom>
         </p:spPr>
       </p:pic>
+      <p:pic>
+        <p:nvPicPr>
+          <p:cNvPr id="8" name="Imagen 7">
+            <a:extLst>
+              <a:ext uri="{FF2B5EF4-FFF2-40B4-BE49-F238E27FC236}">
+                <a16:creationId xmlns:a16="http://schemas.microsoft.com/office/drawing/2014/main" id="{A3867AE1-95B1-C769-C4CC-01F8F23A1B90}"/>
+              </a:ext>
+            </a:extLst>
+          </p:cNvPr>
+          <p:cNvPicPr>
+            <a:picLocks noChangeAspect="1"/>
+          </p:cNvPicPr>
+          <p:nvPr/>
+        </p:nvPicPr>
+        <p:blipFill>
+          <a:blip r:embed="rId4"/>
+          <a:stretch>
+            <a:fillRect/>
+          </a:stretch>
+        </p:blipFill>
+        <p:spPr>
+          <a:xfrm>
+            <a:off x="5566108" y="1385997"/>
+            <a:ext cx="3663808" cy="2747856"/>
+          </a:xfrm>
+          <a:prstGeom prst="rect">
+            <a:avLst/>
+          </a:prstGeom>
+        </p:spPr>
+      </p:pic>
+      <p:pic>
+        <p:nvPicPr>
+          <p:cNvPr id="11" name="Imagen 10" descr="Interfaz de usuario gráfica, Texto, Aplicación&#10;&#10;El contenido generado por IA puede ser incorrecto.">
+            <a:extLst>
+              <a:ext uri="{FF2B5EF4-FFF2-40B4-BE49-F238E27FC236}">
+                <a16:creationId xmlns:a16="http://schemas.microsoft.com/office/drawing/2014/main" id="{72B7DEBC-24E4-6EDA-DC9F-9ED6CE8C40B0}"/>
+              </a:ext>
+            </a:extLst>
+          </p:cNvPr>
+          <p:cNvPicPr>
+            <a:picLocks noChangeAspect="1"/>
+          </p:cNvPicPr>
+          <p:nvPr/>
+        </p:nvPicPr>
+        <p:blipFill>
+          <a:blip r:embed="rId5"/>
+          <a:stretch>
+            <a:fillRect/>
+          </a:stretch>
+        </p:blipFill>
+        <p:spPr>
+          <a:xfrm>
+            <a:off x="165124" y="1591323"/>
+            <a:ext cx="5766033" cy="934739"/>
+          </a:xfrm>
+          <a:prstGeom prst="rect">
+            <a:avLst/>
+          </a:prstGeom>
+        </p:spPr>
+      </p:pic>
+      <p:pic>
+        <p:nvPicPr>
+          <p:cNvPr id="13" name="Imagen 12" descr="Interfaz de usuario gráfica, Texto, Aplicación, Correo electrónico&#10;&#10;El contenido generado por IA puede ser incorrecto.">
+            <a:extLst>
+              <a:ext uri="{FF2B5EF4-FFF2-40B4-BE49-F238E27FC236}">
+                <a16:creationId xmlns:a16="http://schemas.microsoft.com/office/drawing/2014/main" id="{4F349EBC-6251-B33A-0D76-EA686DB4D541}"/>
+              </a:ext>
+            </a:extLst>
+          </p:cNvPr>
+          <p:cNvPicPr>
+            <a:picLocks noChangeAspect="1"/>
+          </p:cNvPicPr>
+          <p:nvPr/>
+        </p:nvPicPr>
+        <p:blipFill>
+          <a:blip r:embed="rId6"/>
+          <a:stretch>
+            <a:fillRect/>
+          </a:stretch>
+        </p:blipFill>
+        <p:spPr>
+          <a:xfrm>
+            <a:off x="245385" y="2815252"/>
+            <a:ext cx="5766033" cy="2695188"/>
+          </a:xfrm>
+          <a:prstGeom prst="rect">
+            <a:avLst/>
+          </a:prstGeom>
+        </p:spPr>
+      </p:pic>
+      <p:pic>
+        <p:nvPicPr>
+          <p:cNvPr id="14" name="Imagen 13">
+            <a:extLst>
+              <a:ext uri="{FF2B5EF4-FFF2-40B4-BE49-F238E27FC236}">
+                <a16:creationId xmlns:a16="http://schemas.microsoft.com/office/drawing/2014/main" id="{2C578AC3-8680-5F6D-FD83-D8E8FD751DBA}"/>
+              </a:ext>
+            </a:extLst>
+          </p:cNvPr>
+          <p:cNvPicPr>
+            <a:picLocks noChangeAspect="1"/>
+          </p:cNvPicPr>
+          <p:nvPr/>
+        </p:nvPicPr>
+        <p:blipFill>
+          <a:blip r:embed="rId7"/>
+          <a:stretch>
+            <a:fillRect/>
+          </a:stretch>
+        </p:blipFill>
+        <p:spPr>
+          <a:xfrm>
+            <a:off x="9257740" y="1611799"/>
+            <a:ext cx="2813251" cy="2182124"/>
+          </a:xfrm>
+          <a:prstGeom prst="rect">
+            <a:avLst/>
+          </a:prstGeom>
+        </p:spPr>
+      </p:pic>
+      <p:pic>
+        <p:nvPicPr>
+          <p:cNvPr id="15" name="Imagen 14">
+            <a:extLst>
+              <a:ext uri="{FF2B5EF4-FFF2-40B4-BE49-F238E27FC236}">
+                <a16:creationId xmlns:a16="http://schemas.microsoft.com/office/drawing/2014/main" id="{E658C10C-B781-E888-03E8-B370983D0D04}"/>
+              </a:ext>
+            </a:extLst>
+          </p:cNvPr>
+          <p:cNvPicPr>
+            <a:picLocks noChangeAspect="1"/>
+          </p:cNvPicPr>
+          <p:nvPr/>
+        </p:nvPicPr>
+        <p:blipFill>
+          <a:blip r:embed="rId8"/>
+          <a:stretch>
+            <a:fillRect/>
+          </a:stretch>
+        </p:blipFill>
+        <p:spPr>
+          <a:xfrm>
+            <a:off x="7078173" y="3866950"/>
+            <a:ext cx="3773715" cy="2830286"/>
+          </a:xfrm>
+          <a:prstGeom prst="rect">
+            <a:avLst/>
+          </a:prstGeom>
+        </p:spPr>
+      </p:pic>
+      <p:cxnSp>
+        <p:nvCxnSpPr>
+          <p:cNvPr id="17" name="Conector: curvado 16">
+            <a:extLst>
+              <a:ext uri="{FF2B5EF4-FFF2-40B4-BE49-F238E27FC236}">
+                <a16:creationId xmlns:a16="http://schemas.microsoft.com/office/drawing/2014/main" id="{45EFAF0B-4F16-AAE5-EB26-AB2FA7712D20}"/>
+              </a:ext>
+            </a:extLst>
+          </p:cNvPr>
+          <p:cNvCxnSpPr>
+            <a:cxnSpLocks/>
+          </p:cNvCxnSpPr>
+          <p:nvPr/>
+        </p:nvCxnSpPr>
+        <p:spPr>
+          <a:xfrm flipV="1">
+            <a:off x="7815943" y="1937657"/>
+            <a:ext cx="1413973" cy="217714"/>
+          </a:xfrm>
+          <a:prstGeom prst="curvedConnector3">
+            <a:avLst>
+              <a:gd name="adj1" fmla="val 50000"/>
+            </a:avLst>
+          </a:prstGeom>
+          <a:ln>
+            <a:solidFill>
+              <a:srgbClr val="DEBFF3"/>
+            </a:solidFill>
+            <a:tailEnd type="triangle"/>
+          </a:ln>
+        </p:spPr>
+        <p:style>
+          <a:lnRef idx="1">
+            <a:schemeClr val="accent1"/>
+          </a:lnRef>
+          <a:fillRef idx="0">
+            <a:schemeClr val="accent1"/>
+          </a:fillRef>
+          <a:effectRef idx="0">
+            <a:schemeClr val="accent1"/>
+          </a:effectRef>
+          <a:fontRef idx="minor">
+            <a:schemeClr val="tx1"/>
+          </a:fontRef>
+        </p:style>
+      </p:cxnSp>
     </p:spTree>
     <p:extLst>
       <p:ext uri="{BB962C8B-B14F-4D97-AF65-F5344CB8AC3E}">
@@ -3794,7 +5728,7 @@
 </p:sld>
 </file>
 
-<file path=ppt/slides/slide5.xml><?xml version="1.0" encoding="utf-8"?>
+<file path=ppt/slides/slide6.xml><?xml version="1.0" encoding="utf-8"?>
 <p:sld xmlns:a="http://schemas.openxmlformats.org/drawingml/2006/main" xmlns:r="http://schemas.openxmlformats.org/officeDocument/2006/relationships" xmlns:p="http://schemas.openxmlformats.org/presentationml/2006/main">
   <p:cSld>
     <p:spTree>
@@ -3841,7 +5775,7 @@
             <a:pPr rtl="0"/>
             <a:fld id="{5AE1514C-5E56-4738-A1FF-4B1CFD2A3E36}" type="slidenum">
               <a:rPr lang="es-ES" noProof="0" smtClean="0"/>
-              <a:t>5</a:t>
+              <a:t>6</a:t>
             </a:fld>
             <a:endParaRPr lang="es-ES" noProof="0"/>
           </a:p>
@@ -4063,14 +5997,117 @@
         </p:blipFill>
         <p:spPr>
           <a:xfrm>
-            <a:off x="10981267" y="0"/>
-            <a:ext cx="1210731" cy="1938867"/>
+            <a:off x="10981268" y="119489"/>
+            <a:ext cx="1033110" cy="1116645"/>
           </a:xfrm>
           <a:prstGeom prst="rect">
             <a:avLst/>
           </a:prstGeom>
         </p:spPr>
       </p:pic>
+      <p:pic>
+        <p:nvPicPr>
+          <p:cNvPr id="7" name="Imagen 6">
+            <a:extLst>
+              <a:ext uri="{FF2B5EF4-FFF2-40B4-BE49-F238E27FC236}">
+                <a16:creationId xmlns:a16="http://schemas.microsoft.com/office/drawing/2014/main" id="{2EBD3521-D00C-9B55-9B76-4EE8B4F6BE50}"/>
+              </a:ext>
+            </a:extLst>
+          </p:cNvPr>
+          <p:cNvPicPr>
+            <a:picLocks noChangeAspect="1"/>
+          </p:cNvPicPr>
+          <p:nvPr/>
+        </p:nvPicPr>
+        <p:blipFill>
+          <a:blip r:embed="rId4">
+            <a:alphaModFix amt="85000"/>
+          </a:blip>
+          <a:srcRect l="941" t="8816" r="951" b="11811"/>
+          <a:stretch>
+            <a:fillRect/>
+          </a:stretch>
+        </p:blipFill>
+        <p:spPr>
+          <a:xfrm>
+            <a:off x="1098884" y="1431287"/>
+            <a:ext cx="9569116" cy="4226204"/>
+          </a:xfrm>
+          <a:prstGeom prst="rect">
+            <a:avLst/>
+          </a:prstGeom>
+        </p:spPr>
+      </p:pic>
+      <p:sp>
+        <p:nvSpPr>
+          <p:cNvPr id="8" name="Rectángulo: esquinas redondeadas 7">
+            <a:extLst>
+              <a:ext uri="{FF2B5EF4-FFF2-40B4-BE49-F238E27FC236}">
+                <a16:creationId xmlns:a16="http://schemas.microsoft.com/office/drawing/2014/main" id="{EEC24C12-971A-F727-F88A-390BE96C1C74}"/>
+              </a:ext>
+            </a:extLst>
+          </p:cNvPr>
+          <p:cNvSpPr/>
+          <p:nvPr/>
+        </p:nvSpPr>
+        <p:spPr>
+          <a:xfrm>
+            <a:off x="1240971" y="5735053"/>
+            <a:ext cx="9298693" cy="810126"/>
+          </a:xfrm>
+          <a:prstGeom prst="roundRect">
+            <a:avLst/>
+          </a:prstGeom>
+          <a:solidFill>
+            <a:srgbClr val="F2E6FA"/>
+          </a:solidFill>
+          <a:ln>
+            <a:solidFill>
+              <a:schemeClr val="bg1"/>
+            </a:solidFill>
+          </a:ln>
+        </p:spPr>
+        <p:style>
+          <a:lnRef idx="2">
+            <a:schemeClr val="accent1">
+              <a:shade val="15000"/>
+            </a:schemeClr>
+          </a:lnRef>
+          <a:fillRef idx="1">
+            <a:schemeClr val="accent1"/>
+          </a:fillRef>
+          <a:effectRef idx="0">
+            <a:schemeClr val="accent1"/>
+          </a:effectRef>
+          <a:fontRef idx="minor">
+            <a:schemeClr val="lt1"/>
+          </a:fontRef>
+        </p:style>
+        <p:txBody>
+          <a:bodyPr rtlCol="0" anchor="ctr"/>
+          <a:lstStyle/>
+          <a:p>
+            <a:pPr algn="ctr"/>
+            <a:r>
+              <a:rPr lang="es-ES" sz="1400" dirty="0">
+                <a:ln w="0"/>
+                <a:solidFill>
+                  <a:schemeClr val="tx1"/>
+                </a:solidFill>
+                <a:effectLst>
+                  <a:outerShdw blurRad="38100" dist="19050" dir="2700000" algn="tl" rotWithShape="0">
+                    <a:schemeClr val="dk1">
+                      <a:alpha val="40000"/>
+                    </a:schemeClr>
+                  </a:outerShdw>
+                </a:effectLst>
+              </a:rPr>
+              <a:t>La decisión no es imponer el modelo ML, sino integrarlo dentro de una gobernanza sólida, donde actúe como una herramienta cuantitativa adicional, validada, explicable y supervisada, capaz de convivir con los enfoques tradicionales y cumplir con las expectativas regulatorias.</a:t>
+            </a:r>
+            <a:endParaRPr lang="es-CO" dirty="0"/>
+          </a:p>
+        </p:txBody>
+      </p:sp>
     </p:spTree>
     <p:extLst>
       <p:ext uri="{BB962C8B-B14F-4D97-AF65-F5344CB8AC3E}">
